--- a/ppt 16-9/0447.奉献.pptx
+++ b/ppt 16-9/0447.奉献.pptx
@@ -129,7 +129,7 @@
           <p:cNvPr id="2" name="标题 1">
             <a:extLst>
               <a:ext uri="{FF2B5EF4-FFF2-40B4-BE49-F238E27FC236}">
-                <a16:creationId xmlns:a16="http://schemas.microsoft.com/office/drawing/2014/main" id="{E9EE07F6-209F-5DEE-3077-DAC4C5C588FC}"/>
+                <a16:creationId xmlns:a16="http://schemas.microsoft.com/office/drawing/2014/main" id="{9299642E-2F21-948F-3E07-C74AFD690600}"/>
               </a:ext>
             </a:extLst>
           </p:cNvPr>
@@ -166,7 +166,7 @@
           <p:cNvPr id="3" name="副标题 2">
             <a:extLst>
               <a:ext uri="{FF2B5EF4-FFF2-40B4-BE49-F238E27FC236}">
-                <a16:creationId xmlns:a16="http://schemas.microsoft.com/office/drawing/2014/main" id="{09B7AC73-9FA3-CBA1-78A9-097C8F43244F}"/>
+                <a16:creationId xmlns:a16="http://schemas.microsoft.com/office/drawing/2014/main" id="{A5B40970-2DA4-2532-AA7F-704373F16983}"/>
               </a:ext>
             </a:extLst>
           </p:cNvPr>
@@ -236,7 +236,7 @@
           <p:cNvPr id="4" name="日期占位符 3">
             <a:extLst>
               <a:ext uri="{FF2B5EF4-FFF2-40B4-BE49-F238E27FC236}">
-                <a16:creationId xmlns:a16="http://schemas.microsoft.com/office/drawing/2014/main" id="{14623776-07A5-A204-7B51-9E79DD3ED293}"/>
+                <a16:creationId xmlns:a16="http://schemas.microsoft.com/office/drawing/2014/main" id="{D4D5BC04-F67D-30C7-E7D5-501DE2384937}"/>
               </a:ext>
             </a:extLst>
           </p:cNvPr>
@@ -252,7 +252,7 @@
           <a:bodyPr/>
           <a:lstStyle/>
           <a:p>
-            <a:fld id="{D8F6827A-7879-49C1-85BC-F80E90059455}" type="datetimeFigureOut">
+            <a:fld id="{CC0B85A6-B3C7-4E47-A83A-01E7AB4DC42C}" type="datetimeFigureOut">
               <a:rPr lang="zh-CN" altLang="en-US" smtClean="0"/>
               <a:t>2024/3/10</a:t>
             </a:fld>
@@ -265,7 +265,7 @@
           <p:cNvPr id="5" name="页脚占位符 4">
             <a:extLst>
               <a:ext uri="{FF2B5EF4-FFF2-40B4-BE49-F238E27FC236}">
-                <a16:creationId xmlns:a16="http://schemas.microsoft.com/office/drawing/2014/main" id="{9A4B34A2-D35E-D4A5-2E66-54A2AE65E56B}"/>
+                <a16:creationId xmlns:a16="http://schemas.microsoft.com/office/drawing/2014/main" id="{7F84386B-B7A2-6674-0745-B7A997FBFAB1}"/>
               </a:ext>
             </a:extLst>
           </p:cNvPr>
@@ -290,7 +290,7 @@
           <p:cNvPr id="6" name="灯片编号占位符 5">
             <a:extLst>
               <a:ext uri="{FF2B5EF4-FFF2-40B4-BE49-F238E27FC236}">
-                <a16:creationId xmlns:a16="http://schemas.microsoft.com/office/drawing/2014/main" id="{19626249-262D-E074-C14A-DF52D288870F}"/>
+                <a16:creationId xmlns:a16="http://schemas.microsoft.com/office/drawing/2014/main" id="{051B1EEF-BC2E-7AED-E827-078C66B23838}"/>
               </a:ext>
             </a:extLst>
           </p:cNvPr>
@@ -306,7 +306,7 @@
           <a:bodyPr/>
           <a:lstStyle/>
           <a:p>
-            <a:fld id="{1EDA61AC-3528-417F-91D1-05FF8FA34E05}" type="slidenum">
+            <a:fld id="{FCAE73B6-03D4-4966-9AA2-5953A0701F88}" type="slidenum">
               <a:rPr lang="zh-CN" altLang="en-US" smtClean="0"/>
               <a:t>‹#›</a:t>
             </a:fld>
@@ -317,7 +317,7 @@
     </p:spTree>
     <p:extLst>
       <p:ext uri="{BB962C8B-B14F-4D97-AF65-F5344CB8AC3E}">
-        <p14:creationId xmlns:p14="http://schemas.microsoft.com/office/powerpoint/2010/main" val="3287526298"/>
+        <p14:creationId xmlns:p14="http://schemas.microsoft.com/office/powerpoint/2010/main" val="2392929181"/>
       </p:ext>
     </p:extLst>
   </p:cSld>
@@ -349,7 +349,7 @@
           <p:cNvPr id="2" name="标题 1">
             <a:extLst>
               <a:ext uri="{FF2B5EF4-FFF2-40B4-BE49-F238E27FC236}">
-                <a16:creationId xmlns:a16="http://schemas.microsoft.com/office/drawing/2014/main" id="{4CD30412-790E-D122-3C94-ABAFF398FE1D}"/>
+                <a16:creationId xmlns:a16="http://schemas.microsoft.com/office/drawing/2014/main" id="{AA9791B8-DE31-3877-B18C-519AD859FF9F}"/>
               </a:ext>
             </a:extLst>
           </p:cNvPr>
@@ -377,7 +377,7 @@
           <p:cNvPr id="3" name="竖排文字占位符 2">
             <a:extLst>
               <a:ext uri="{FF2B5EF4-FFF2-40B4-BE49-F238E27FC236}">
-                <a16:creationId xmlns:a16="http://schemas.microsoft.com/office/drawing/2014/main" id="{3C6E79EB-9C70-0F24-66CF-60CF8FC2E8C9}"/>
+                <a16:creationId xmlns:a16="http://schemas.microsoft.com/office/drawing/2014/main" id="{EE7AD23C-DBFB-271B-346C-D6569F38C7D1}"/>
               </a:ext>
             </a:extLst>
           </p:cNvPr>
@@ -434,7 +434,7 @@
           <p:cNvPr id="4" name="日期占位符 3">
             <a:extLst>
               <a:ext uri="{FF2B5EF4-FFF2-40B4-BE49-F238E27FC236}">
-                <a16:creationId xmlns:a16="http://schemas.microsoft.com/office/drawing/2014/main" id="{1B403FA9-4224-F38A-3E3B-9F3973CBE514}"/>
+                <a16:creationId xmlns:a16="http://schemas.microsoft.com/office/drawing/2014/main" id="{0D5E10BD-9A43-41D5-47AE-275681554E95}"/>
               </a:ext>
             </a:extLst>
           </p:cNvPr>
@@ -450,7 +450,7 @@
           <a:bodyPr/>
           <a:lstStyle/>
           <a:p>
-            <a:fld id="{D8F6827A-7879-49C1-85BC-F80E90059455}" type="datetimeFigureOut">
+            <a:fld id="{CC0B85A6-B3C7-4E47-A83A-01E7AB4DC42C}" type="datetimeFigureOut">
               <a:rPr lang="zh-CN" altLang="en-US" smtClean="0"/>
               <a:t>2024/3/10</a:t>
             </a:fld>
@@ -463,7 +463,7 @@
           <p:cNvPr id="5" name="页脚占位符 4">
             <a:extLst>
               <a:ext uri="{FF2B5EF4-FFF2-40B4-BE49-F238E27FC236}">
-                <a16:creationId xmlns:a16="http://schemas.microsoft.com/office/drawing/2014/main" id="{6D90DA14-2D84-3935-C07E-4AEEE2485602}"/>
+                <a16:creationId xmlns:a16="http://schemas.microsoft.com/office/drawing/2014/main" id="{EDEE0D03-D448-0E2B-EDBC-CFA517A2D5B6}"/>
               </a:ext>
             </a:extLst>
           </p:cNvPr>
@@ -488,7 +488,7 @@
           <p:cNvPr id="6" name="灯片编号占位符 5">
             <a:extLst>
               <a:ext uri="{FF2B5EF4-FFF2-40B4-BE49-F238E27FC236}">
-                <a16:creationId xmlns:a16="http://schemas.microsoft.com/office/drawing/2014/main" id="{D5D92FA4-8883-3D64-3F1D-CD89B47B51A9}"/>
+                <a16:creationId xmlns:a16="http://schemas.microsoft.com/office/drawing/2014/main" id="{AEE377B6-498C-3309-5786-6E3BF8882369}"/>
               </a:ext>
             </a:extLst>
           </p:cNvPr>
@@ -504,7 +504,7 @@
           <a:bodyPr/>
           <a:lstStyle/>
           <a:p>
-            <a:fld id="{1EDA61AC-3528-417F-91D1-05FF8FA34E05}" type="slidenum">
+            <a:fld id="{FCAE73B6-03D4-4966-9AA2-5953A0701F88}" type="slidenum">
               <a:rPr lang="zh-CN" altLang="en-US" smtClean="0"/>
               <a:t>‹#›</a:t>
             </a:fld>
@@ -515,7 +515,7 @@
     </p:spTree>
     <p:extLst>
       <p:ext uri="{BB962C8B-B14F-4D97-AF65-F5344CB8AC3E}">
-        <p14:creationId xmlns:p14="http://schemas.microsoft.com/office/powerpoint/2010/main" val="1676640873"/>
+        <p14:creationId xmlns:p14="http://schemas.microsoft.com/office/powerpoint/2010/main" val="3441334092"/>
       </p:ext>
     </p:extLst>
   </p:cSld>
@@ -547,7 +547,7 @@
           <p:cNvPr id="2" name="竖排标题 1">
             <a:extLst>
               <a:ext uri="{FF2B5EF4-FFF2-40B4-BE49-F238E27FC236}">
-                <a16:creationId xmlns:a16="http://schemas.microsoft.com/office/drawing/2014/main" id="{AABDFE13-1496-901E-D3AA-3445BC1F3BDF}"/>
+                <a16:creationId xmlns:a16="http://schemas.microsoft.com/office/drawing/2014/main" id="{AC4FB036-8D92-A3F2-F997-B3FA82B0F40B}"/>
               </a:ext>
             </a:extLst>
           </p:cNvPr>
@@ -580,7 +580,7 @@
           <p:cNvPr id="3" name="竖排文字占位符 2">
             <a:extLst>
               <a:ext uri="{FF2B5EF4-FFF2-40B4-BE49-F238E27FC236}">
-                <a16:creationId xmlns:a16="http://schemas.microsoft.com/office/drawing/2014/main" id="{57CB0DC3-D0F3-69E0-07D5-974CE6CCCD82}"/>
+                <a16:creationId xmlns:a16="http://schemas.microsoft.com/office/drawing/2014/main" id="{B82581FC-402D-780C-6986-2CEF5157C792}"/>
               </a:ext>
             </a:extLst>
           </p:cNvPr>
@@ -642,7 +642,7 @@
           <p:cNvPr id="4" name="日期占位符 3">
             <a:extLst>
               <a:ext uri="{FF2B5EF4-FFF2-40B4-BE49-F238E27FC236}">
-                <a16:creationId xmlns:a16="http://schemas.microsoft.com/office/drawing/2014/main" id="{EE370915-2CF9-494A-35A6-22DDD34BC5E0}"/>
+                <a16:creationId xmlns:a16="http://schemas.microsoft.com/office/drawing/2014/main" id="{0FB5C83E-AAF1-38E2-5CA2-AC45FF9565A6}"/>
               </a:ext>
             </a:extLst>
           </p:cNvPr>
@@ -658,7 +658,7 @@
           <a:bodyPr/>
           <a:lstStyle/>
           <a:p>
-            <a:fld id="{D8F6827A-7879-49C1-85BC-F80E90059455}" type="datetimeFigureOut">
+            <a:fld id="{CC0B85A6-B3C7-4E47-A83A-01E7AB4DC42C}" type="datetimeFigureOut">
               <a:rPr lang="zh-CN" altLang="en-US" smtClean="0"/>
               <a:t>2024/3/10</a:t>
             </a:fld>
@@ -671,7 +671,7 @@
           <p:cNvPr id="5" name="页脚占位符 4">
             <a:extLst>
               <a:ext uri="{FF2B5EF4-FFF2-40B4-BE49-F238E27FC236}">
-                <a16:creationId xmlns:a16="http://schemas.microsoft.com/office/drawing/2014/main" id="{4413CD3A-4920-5D20-FA35-6719AE775CD1}"/>
+                <a16:creationId xmlns:a16="http://schemas.microsoft.com/office/drawing/2014/main" id="{14D0BA5A-B790-5CE7-EC04-FD6C71E9BD25}"/>
               </a:ext>
             </a:extLst>
           </p:cNvPr>
@@ -696,7 +696,7 @@
           <p:cNvPr id="6" name="灯片编号占位符 5">
             <a:extLst>
               <a:ext uri="{FF2B5EF4-FFF2-40B4-BE49-F238E27FC236}">
-                <a16:creationId xmlns:a16="http://schemas.microsoft.com/office/drawing/2014/main" id="{769C1BF7-EB49-3A50-7CC7-F32FB27B958B}"/>
+                <a16:creationId xmlns:a16="http://schemas.microsoft.com/office/drawing/2014/main" id="{1D0FAF6B-C082-4084-7030-FFE8E7F9C9F8}"/>
               </a:ext>
             </a:extLst>
           </p:cNvPr>
@@ -712,7 +712,7 @@
           <a:bodyPr/>
           <a:lstStyle/>
           <a:p>
-            <a:fld id="{1EDA61AC-3528-417F-91D1-05FF8FA34E05}" type="slidenum">
+            <a:fld id="{FCAE73B6-03D4-4966-9AA2-5953A0701F88}" type="slidenum">
               <a:rPr lang="zh-CN" altLang="en-US" smtClean="0"/>
               <a:t>‹#›</a:t>
             </a:fld>
@@ -723,7 +723,7 @@
     </p:spTree>
     <p:extLst>
       <p:ext uri="{BB962C8B-B14F-4D97-AF65-F5344CB8AC3E}">
-        <p14:creationId xmlns:p14="http://schemas.microsoft.com/office/powerpoint/2010/main" val="3896796145"/>
+        <p14:creationId xmlns:p14="http://schemas.microsoft.com/office/powerpoint/2010/main" val="86453247"/>
       </p:ext>
     </p:extLst>
   </p:cSld>
@@ -755,7 +755,7 @@
           <p:cNvPr id="2" name="标题 1">
             <a:extLst>
               <a:ext uri="{FF2B5EF4-FFF2-40B4-BE49-F238E27FC236}">
-                <a16:creationId xmlns:a16="http://schemas.microsoft.com/office/drawing/2014/main" id="{9959B5AC-A94C-0594-C346-0461825644E1}"/>
+                <a16:creationId xmlns:a16="http://schemas.microsoft.com/office/drawing/2014/main" id="{FC3648FD-712C-6755-2FD3-AF03D0B9B94B}"/>
               </a:ext>
             </a:extLst>
           </p:cNvPr>
@@ -783,7 +783,7 @@
           <p:cNvPr id="3" name="内容占位符 2">
             <a:extLst>
               <a:ext uri="{FF2B5EF4-FFF2-40B4-BE49-F238E27FC236}">
-                <a16:creationId xmlns:a16="http://schemas.microsoft.com/office/drawing/2014/main" id="{CC0BEF0D-505D-5193-B0FD-ADDA9B41EBCC}"/>
+                <a16:creationId xmlns:a16="http://schemas.microsoft.com/office/drawing/2014/main" id="{07EA87AB-B5D8-8746-3FE1-F6A84E30DD59}"/>
               </a:ext>
             </a:extLst>
           </p:cNvPr>
@@ -840,7 +840,7 @@
           <p:cNvPr id="4" name="日期占位符 3">
             <a:extLst>
               <a:ext uri="{FF2B5EF4-FFF2-40B4-BE49-F238E27FC236}">
-                <a16:creationId xmlns:a16="http://schemas.microsoft.com/office/drawing/2014/main" id="{2F82AE09-D3AF-298A-DD8B-07C4B433FF14}"/>
+                <a16:creationId xmlns:a16="http://schemas.microsoft.com/office/drawing/2014/main" id="{CB9A798B-4C7F-2742-A49E-714891820EF8}"/>
               </a:ext>
             </a:extLst>
           </p:cNvPr>
@@ -856,7 +856,7 @@
           <a:bodyPr/>
           <a:lstStyle/>
           <a:p>
-            <a:fld id="{D8F6827A-7879-49C1-85BC-F80E90059455}" type="datetimeFigureOut">
+            <a:fld id="{CC0B85A6-B3C7-4E47-A83A-01E7AB4DC42C}" type="datetimeFigureOut">
               <a:rPr lang="zh-CN" altLang="en-US" smtClean="0"/>
               <a:t>2024/3/10</a:t>
             </a:fld>
@@ -869,7 +869,7 @@
           <p:cNvPr id="5" name="页脚占位符 4">
             <a:extLst>
               <a:ext uri="{FF2B5EF4-FFF2-40B4-BE49-F238E27FC236}">
-                <a16:creationId xmlns:a16="http://schemas.microsoft.com/office/drawing/2014/main" id="{B1CF81CC-39D3-789C-5A03-DB04786B209A}"/>
+                <a16:creationId xmlns:a16="http://schemas.microsoft.com/office/drawing/2014/main" id="{D053DE35-F7C7-B659-4368-0805B1EF47DB}"/>
               </a:ext>
             </a:extLst>
           </p:cNvPr>
@@ -894,7 +894,7 @@
           <p:cNvPr id="6" name="灯片编号占位符 5">
             <a:extLst>
               <a:ext uri="{FF2B5EF4-FFF2-40B4-BE49-F238E27FC236}">
-                <a16:creationId xmlns:a16="http://schemas.microsoft.com/office/drawing/2014/main" id="{ADB67C34-2649-A9F8-0F0E-B2AF4F8CA9B6}"/>
+                <a16:creationId xmlns:a16="http://schemas.microsoft.com/office/drawing/2014/main" id="{0E44B73D-13E7-FFE2-D2A8-FAE914AE7E89}"/>
               </a:ext>
             </a:extLst>
           </p:cNvPr>
@@ -910,7 +910,7 @@
           <a:bodyPr/>
           <a:lstStyle/>
           <a:p>
-            <a:fld id="{1EDA61AC-3528-417F-91D1-05FF8FA34E05}" type="slidenum">
+            <a:fld id="{FCAE73B6-03D4-4966-9AA2-5953A0701F88}" type="slidenum">
               <a:rPr lang="zh-CN" altLang="en-US" smtClean="0"/>
               <a:t>‹#›</a:t>
             </a:fld>
@@ -921,7 +921,7 @@
     </p:spTree>
     <p:extLst>
       <p:ext uri="{BB962C8B-B14F-4D97-AF65-F5344CB8AC3E}">
-        <p14:creationId xmlns:p14="http://schemas.microsoft.com/office/powerpoint/2010/main" val="3270311134"/>
+        <p14:creationId xmlns:p14="http://schemas.microsoft.com/office/powerpoint/2010/main" val="3196176578"/>
       </p:ext>
     </p:extLst>
   </p:cSld>
@@ -953,7 +953,7 @@
           <p:cNvPr id="2" name="标题 1">
             <a:extLst>
               <a:ext uri="{FF2B5EF4-FFF2-40B4-BE49-F238E27FC236}">
-                <a16:creationId xmlns:a16="http://schemas.microsoft.com/office/drawing/2014/main" id="{7B93BDF9-C35C-D903-93E4-9680A487AA0E}"/>
+                <a16:creationId xmlns:a16="http://schemas.microsoft.com/office/drawing/2014/main" id="{C60453E8-D8D1-0CD5-ACAB-2FA66F1B1278}"/>
               </a:ext>
             </a:extLst>
           </p:cNvPr>
@@ -990,7 +990,7 @@
           <p:cNvPr id="3" name="文本占位符 2">
             <a:extLst>
               <a:ext uri="{FF2B5EF4-FFF2-40B4-BE49-F238E27FC236}">
-                <a16:creationId xmlns:a16="http://schemas.microsoft.com/office/drawing/2014/main" id="{D24E8B6D-5445-4C56-CC37-9DD7D469C2B0}"/>
+                <a16:creationId xmlns:a16="http://schemas.microsoft.com/office/drawing/2014/main" id="{F9F6CC2A-916B-7212-9398-F976AC6D2943}"/>
               </a:ext>
             </a:extLst>
           </p:cNvPr>
@@ -1115,7 +1115,7 @@
           <p:cNvPr id="4" name="日期占位符 3">
             <a:extLst>
               <a:ext uri="{FF2B5EF4-FFF2-40B4-BE49-F238E27FC236}">
-                <a16:creationId xmlns:a16="http://schemas.microsoft.com/office/drawing/2014/main" id="{584885D7-728C-6613-DCD2-731300936E84}"/>
+                <a16:creationId xmlns:a16="http://schemas.microsoft.com/office/drawing/2014/main" id="{FC0B58F4-2B1C-BEAA-9D60-66214D5C813E}"/>
               </a:ext>
             </a:extLst>
           </p:cNvPr>
@@ -1131,7 +1131,7 @@
           <a:bodyPr/>
           <a:lstStyle/>
           <a:p>
-            <a:fld id="{D8F6827A-7879-49C1-85BC-F80E90059455}" type="datetimeFigureOut">
+            <a:fld id="{CC0B85A6-B3C7-4E47-A83A-01E7AB4DC42C}" type="datetimeFigureOut">
               <a:rPr lang="zh-CN" altLang="en-US" smtClean="0"/>
               <a:t>2024/3/10</a:t>
             </a:fld>
@@ -1144,7 +1144,7 @@
           <p:cNvPr id="5" name="页脚占位符 4">
             <a:extLst>
               <a:ext uri="{FF2B5EF4-FFF2-40B4-BE49-F238E27FC236}">
-                <a16:creationId xmlns:a16="http://schemas.microsoft.com/office/drawing/2014/main" id="{A844140C-6F77-568A-9D9E-3E7DCE396AC3}"/>
+                <a16:creationId xmlns:a16="http://schemas.microsoft.com/office/drawing/2014/main" id="{15C0BBB4-BCB9-4EAC-1422-283D83054904}"/>
               </a:ext>
             </a:extLst>
           </p:cNvPr>
@@ -1169,7 +1169,7 @@
           <p:cNvPr id="6" name="灯片编号占位符 5">
             <a:extLst>
               <a:ext uri="{FF2B5EF4-FFF2-40B4-BE49-F238E27FC236}">
-                <a16:creationId xmlns:a16="http://schemas.microsoft.com/office/drawing/2014/main" id="{7E527701-F499-0FB0-C919-B039BD8A7CA4}"/>
+                <a16:creationId xmlns:a16="http://schemas.microsoft.com/office/drawing/2014/main" id="{64D45FD8-B6D7-8B57-3B50-38E00F2AE144}"/>
               </a:ext>
             </a:extLst>
           </p:cNvPr>
@@ -1185,7 +1185,7 @@
           <a:bodyPr/>
           <a:lstStyle/>
           <a:p>
-            <a:fld id="{1EDA61AC-3528-417F-91D1-05FF8FA34E05}" type="slidenum">
+            <a:fld id="{FCAE73B6-03D4-4966-9AA2-5953A0701F88}" type="slidenum">
               <a:rPr lang="zh-CN" altLang="en-US" smtClean="0"/>
               <a:t>‹#›</a:t>
             </a:fld>
@@ -1196,7 +1196,7 @@
     </p:spTree>
     <p:extLst>
       <p:ext uri="{BB962C8B-B14F-4D97-AF65-F5344CB8AC3E}">
-        <p14:creationId xmlns:p14="http://schemas.microsoft.com/office/powerpoint/2010/main" val="2437482333"/>
+        <p14:creationId xmlns:p14="http://schemas.microsoft.com/office/powerpoint/2010/main" val="4210679049"/>
       </p:ext>
     </p:extLst>
   </p:cSld>
@@ -1228,7 +1228,7 @@
           <p:cNvPr id="2" name="标题 1">
             <a:extLst>
               <a:ext uri="{FF2B5EF4-FFF2-40B4-BE49-F238E27FC236}">
-                <a16:creationId xmlns:a16="http://schemas.microsoft.com/office/drawing/2014/main" id="{BAF6E83D-FC7C-E455-BFF0-6B91B8C457D1}"/>
+                <a16:creationId xmlns:a16="http://schemas.microsoft.com/office/drawing/2014/main" id="{52484385-37AA-335B-51E3-7357B1FA54C8}"/>
               </a:ext>
             </a:extLst>
           </p:cNvPr>
@@ -1256,7 +1256,7 @@
           <p:cNvPr id="3" name="内容占位符 2">
             <a:extLst>
               <a:ext uri="{FF2B5EF4-FFF2-40B4-BE49-F238E27FC236}">
-                <a16:creationId xmlns:a16="http://schemas.microsoft.com/office/drawing/2014/main" id="{8A7450A7-9041-45F0-CDC6-DDF450D670AC}"/>
+                <a16:creationId xmlns:a16="http://schemas.microsoft.com/office/drawing/2014/main" id="{B2A1CECF-8F4F-CF5E-ECFA-3CC23C7D2A39}"/>
               </a:ext>
             </a:extLst>
           </p:cNvPr>
@@ -1318,7 +1318,7 @@
           <p:cNvPr id="4" name="内容占位符 3">
             <a:extLst>
               <a:ext uri="{FF2B5EF4-FFF2-40B4-BE49-F238E27FC236}">
-                <a16:creationId xmlns:a16="http://schemas.microsoft.com/office/drawing/2014/main" id="{70EA1FBE-1D68-ACF5-F7BF-3754BBD3A727}"/>
+                <a16:creationId xmlns:a16="http://schemas.microsoft.com/office/drawing/2014/main" id="{3B797741-9710-F071-723D-F245BD9E1F02}"/>
               </a:ext>
             </a:extLst>
           </p:cNvPr>
@@ -1380,7 +1380,7 @@
           <p:cNvPr id="5" name="日期占位符 4">
             <a:extLst>
               <a:ext uri="{FF2B5EF4-FFF2-40B4-BE49-F238E27FC236}">
-                <a16:creationId xmlns:a16="http://schemas.microsoft.com/office/drawing/2014/main" id="{18C50225-643C-9260-F683-DC0BAF31910A}"/>
+                <a16:creationId xmlns:a16="http://schemas.microsoft.com/office/drawing/2014/main" id="{B35FC791-D54D-C5E8-7221-07A099B824E8}"/>
               </a:ext>
             </a:extLst>
           </p:cNvPr>
@@ -1396,7 +1396,7 @@
           <a:bodyPr/>
           <a:lstStyle/>
           <a:p>
-            <a:fld id="{D8F6827A-7879-49C1-85BC-F80E90059455}" type="datetimeFigureOut">
+            <a:fld id="{CC0B85A6-B3C7-4E47-A83A-01E7AB4DC42C}" type="datetimeFigureOut">
               <a:rPr lang="zh-CN" altLang="en-US" smtClean="0"/>
               <a:t>2024/3/10</a:t>
             </a:fld>
@@ -1409,7 +1409,7 @@
           <p:cNvPr id="6" name="页脚占位符 5">
             <a:extLst>
               <a:ext uri="{FF2B5EF4-FFF2-40B4-BE49-F238E27FC236}">
-                <a16:creationId xmlns:a16="http://schemas.microsoft.com/office/drawing/2014/main" id="{3DFA8C84-EC9D-3C85-4EAE-4922E2FC04F6}"/>
+                <a16:creationId xmlns:a16="http://schemas.microsoft.com/office/drawing/2014/main" id="{90061EF5-7779-6725-3505-5D978D1017AA}"/>
               </a:ext>
             </a:extLst>
           </p:cNvPr>
@@ -1434,7 +1434,7 @@
           <p:cNvPr id="7" name="灯片编号占位符 6">
             <a:extLst>
               <a:ext uri="{FF2B5EF4-FFF2-40B4-BE49-F238E27FC236}">
-                <a16:creationId xmlns:a16="http://schemas.microsoft.com/office/drawing/2014/main" id="{027E5298-3F00-8DFC-ECFF-3A8A6781051A}"/>
+                <a16:creationId xmlns:a16="http://schemas.microsoft.com/office/drawing/2014/main" id="{152FE0D8-5941-5336-376F-6F2E6A92E611}"/>
               </a:ext>
             </a:extLst>
           </p:cNvPr>
@@ -1450,7 +1450,7 @@
           <a:bodyPr/>
           <a:lstStyle/>
           <a:p>
-            <a:fld id="{1EDA61AC-3528-417F-91D1-05FF8FA34E05}" type="slidenum">
+            <a:fld id="{FCAE73B6-03D4-4966-9AA2-5953A0701F88}" type="slidenum">
               <a:rPr lang="zh-CN" altLang="en-US" smtClean="0"/>
               <a:t>‹#›</a:t>
             </a:fld>
@@ -1461,7 +1461,7 @@
     </p:spTree>
     <p:extLst>
       <p:ext uri="{BB962C8B-B14F-4D97-AF65-F5344CB8AC3E}">
-        <p14:creationId xmlns:p14="http://schemas.microsoft.com/office/powerpoint/2010/main" val="3984861770"/>
+        <p14:creationId xmlns:p14="http://schemas.microsoft.com/office/powerpoint/2010/main" val="2448432926"/>
       </p:ext>
     </p:extLst>
   </p:cSld>
@@ -1493,7 +1493,7 @@
           <p:cNvPr id="2" name="标题 1">
             <a:extLst>
               <a:ext uri="{FF2B5EF4-FFF2-40B4-BE49-F238E27FC236}">
-                <a16:creationId xmlns:a16="http://schemas.microsoft.com/office/drawing/2014/main" id="{93B075F8-9719-FA0B-1B73-8ABDA34AA9D8}"/>
+                <a16:creationId xmlns:a16="http://schemas.microsoft.com/office/drawing/2014/main" id="{6E16FED3-BA00-BD12-DC72-7F2278AA6365}"/>
               </a:ext>
             </a:extLst>
           </p:cNvPr>
@@ -1526,7 +1526,7 @@
           <p:cNvPr id="3" name="文本占位符 2">
             <a:extLst>
               <a:ext uri="{FF2B5EF4-FFF2-40B4-BE49-F238E27FC236}">
-                <a16:creationId xmlns:a16="http://schemas.microsoft.com/office/drawing/2014/main" id="{27ED8342-BC74-C05C-2B15-9AEAD4247227}"/>
+                <a16:creationId xmlns:a16="http://schemas.microsoft.com/office/drawing/2014/main" id="{233A08B8-7FF8-AD49-DE33-9767C2D7AE67}"/>
               </a:ext>
             </a:extLst>
           </p:cNvPr>
@@ -1597,7 +1597,7 @@
           <p:cNvPr id="4" name="内容占位符 3">
             <a:extLst>
               <a:ext uri="{FF2B5EF4-FFF2-40B4-BE49-F238E27FC236}">
-                <a16:creationId xmlns:a16="http://schemas.microsoft.com/office/drawing/2014/main" id="{545F5522-4649-3626-798C-8E5ECAEDC5B1}"/>
+                <a16:creationId xmlns:a16="http://schemas.microsoft.com/office/drawing/2014/main" id="{F1646825-237C-ECC9-EC40-75AF99AC7E2C}"/>
               </a:ext>
             </a:extLst>
           </p:cNvPr>
@@ -1659,7 +1659,7 @@
           <p:cNvPr id="5" name="文本占位符 4">
             <a:extLst>
               <a:ext uri="{FF2B5EF4-FFF2-40B4-BE49-F238E27FC236}">
-                <a16:creationId xmlns:a16="http://schemas.microsoft.com/office/drawing/2014/main" id="{EB1A5593-CC52-BA9B-C97C-B00D736BBA2B}"/>
+                <a16:creationId xmlns:a16="http://schemas.microsoft.com/office/drawing/2014/main" id="{ADB0C34A-CDAD-3B4D-4976-0B30F5BA1AD5}"/>
               </a:ext>
             </a:extLst>
           </p:cNvPr>
@@ -1730,7 +1730,7 @@
           <p:cNvPr id="6" name="内容占位符 5">
             <a:extLst>
               <a:ext uri="{FF2B5EF4-FFF2-40B4-BE49-F238E27FC236}">
-                <a16:creationId xmlns:a16="http://schemas.microsoft.com/office/drawing/2014/main" id="{A94FDBD6-B4A0-2AAF-0CED-204E178AF540}"/>
+                <a16:creationId xmlns:a16="http://schemas.microsoft.com/office/drawing/2014/main" id="{F84EE04D-F993-6737-F76B-C701620F0650}"/>
               </a:ext>
             </a:extLst>
           </p:cNvPr>
@@ -1792,7 +1792,7 @@
           <p:cNvPr id="7" name="日期占位符 6">
             <a:extLst>
               <a:ext uri="{FF2B5EF4-FFF2-40B4-BE49-F238E27FC236}">
-                <a16:creationId xmlns:a16="http://schemas.microsoft.com/office/drawing/2014/main" id="{53442F0A-1AE4-5FE9-1AFA-96DADAABFB61}"/>
+                <a16:creationId xmlns:a16="http://schemas.microsoft.com/office/drawing/2014/main" id="{7A4A2F43-5548-2B3D-FEE1-75303556159D}"/>
               </a:ext>
             </a:extLst>
           </p:cNvPr>
@@ -1808,7 +1808,7 @@
           <a:bodyPr/>
           <a:lstStyle/>
           <a:p>
-            <a:fld id="{D8F6827A-7879-49C1-85BC-F80E90059455}" type="datetimeFigureOut">
+            <a:fld id="{CC0B85A6-B3C7-4E47-A83A-01E7AB4DC42C}" type="datetimeFigureOut">
               <a:rPr lang="zh-CN" altLang="en-US" smtClean="0"/>
               <a:t>2024/3/10</a:t>
             </a:fld>
@@ -1821,7 +1821,7 @@
           <p:cNvPr id="8" name="页脚占位符 7">
             <a:extLst>
               <a:ext uri="{FF2B5EF4-FFF2-40B4-BE49-F238E27FC236}">
-                <a16:creationId xmlns:a16="http://schemas.microsoft.com/office/drawing/2014/main" id="{0B711683-E73E-2344-61D3-7242E63EA256}"/>
+                <a16:creationId xmlns:a16="http://schemas.microsoft.com/office/drawing/2014/main" id="{87B28AA7-BA62-2C58-E866-0F4E15121979}"/>
               </a:ext>
             </a:extLst>
           </p:cNvPr>
@@ -1846,7 +1846,7 @@
           <p:cNvPr id="9" name="灯片编号占位符 8">
             <a:extLst>
               <a:ext uri="{FF2B5EF4-FFF2-40B4-BE49-F238E27FC236}">
-                <a16:creationId xmlns:a16="http://schemas.microsoft.com/office/drawing/2014/main" id="{822DFC31-0451-A8D7-F7B0-387BA0FAA889}"/>
+                <a16:creationId xmlns:a16="http://schemas.microsoft.com/office/drawing/2014/main" id="{19653439-91EE-8466-D6B7-E453793FC168}"/>
               </a:ext>
             </a:extLst>
           </p:cNvPr>
@@ -1862,7 +1862,7 @@
           <a:bodyPr/>
           <a:lstStyle/>
           <a:p>
-            <a:fld id="{1EDA61AC-3528-417F-91D1-05FF8FA34E05}" type="slidenum">
+            <a:fld id="{FCAE73B6-03D4-4966-9AA2-5953A0701F88}" type="slidenum">
               <a:rPr lang="zh-CN" altLang="en-US" smtClean="0"/>
               <a:t>‹#›</a:t>
             </a:fld>
@@ -1873,7 +1873,7 @@
     </p:spTree>
     <p:extLst>
       <p:ext uri="{BB962C8B-B14F-4D97-AF65-F5344CB8AC3E}">
-        <p14:creationId xmlns:p14="http://schemas.microsoft.com/office/powerpoint/2010/main" val="3616350533"/>
+        <p14:creationId xmlns:p14="http://schemas.microsoft.com/office/powerpoint/2010/main" val="230930587"/>
       </p:ext>
     </p:extLst>
   </p:cSld>
@@ -1905,7 +1905,7 @@
           <p:cNvPr id="2" name="标题 1">
             <a:extLst>
               <a:ext uri="{FF2B5EF4-FFF2-40B4-BE49-F238E27FC236}">
-                <a16:creationId xmlns:a16="http://schemas.microsoft.com/office/drawing/2014/main" id="{D1986B91-EAC1-5E55-0C59-283F227FA0F0}"/>
+                <a16:creationId xmlns:a16="http://schemas.microsoft.com/office/drawing/2014/main" id="{9EE9EFCA-0F33-53AC-AB6F-D7353C9D258A}"/>
               </a:ext>
             </a:extLst>
           </p:cNvPr>
@@ -1933,7 +1933,7 @@
           <p:cNvPr id="3" name="日期占位符 2">
             <a:extLst>
               <a:ext uri="{FF2B5EF4-FFF2-40B4-BE49-F238E27FC236}">
-                <a16:creationId xmlns:a16="http://schemas.microsoft.com/office/drawing/2014/main" id="{D0A50AAA-94AF-82CD-6D1C-FDDB1714DDE8}"/>
+                <a16:creationId xmlns:a16="http://schemas.microsoft.com/office/drawing/2014/main" id="{1CC3C513-1EE4-D28C-73AC-A681E00A4702}"/>
               </a:ext>
             </a:extLst>
           </p:cNvPr>
@@ -1949,7 +1949,7 @@
           <a:bodyPr/>
           <a:lstStyle/>
           <a:p>
-            <a:fld id="{D8F6827A-7879-49C1-85BC-F80E90059455}" type="datetimeFigureOut">
+            <a:fld id="{CC0B85A6-B3C7-4E47-A83A-01E7AB4DC42C}" type="datetimeFigureOut">
               <a:rPr lang="zh-CN" altLang="en-US" smtClean="0"/>
               <a:t>2024/3/10</a:t>
             </a:fld>
@@ -1962,7 +1962,7 @@
           <p:cNvPr id="4" name="页脚占位符 3">
             <a:extLst>
               <a:ext uri="{FF2B5EF4-FFF2-40B4-BE49-F238E27FC236}">
-                <a16:creationId xmlns:a16="http://schemas.microsoft.com/office/drawing/2014/main" id="{2CC5EB23-2087-7BEC-788C-687D78527EEA}"/>
+                <a16:creationId xmlns:a16="http://schemas.microsoft.com/office/drawing/2014/main" id="{C0AC984C-3B41-3472-9BBF-71CDB716F58C}"/>
               </a:ext>
             </a:extLst>
           </p:cNvPr>
@@ -1987,7 +1987,7 @@
           <p:cNvPr id="5" name="灯片编号占位符 4">
             <a:extLst>
               <a:ext uri="{FF2B5EF4-FFF2-40B4-BE49-F238E27FC236}">
-                <a16:creationId xmlns:a16="http://schemas.microsoft.com/office/drawing/2014/main" id="{E30C1BB1-AB8E-8722-F07A-DD4623A3C799}"/>
+                <a16:creationId xmlns:a16="http://schemas.microsoft.com/office/drawing/2014/main" id="{87AFB83A-B9E6-1C07-E725-E30EB0650C06}"/>
               </a:ext>
             </a:extLst>
           </p:cNvPr>
@@ -2003,7 +2003,7 @@
           <a:bodyPr/>
           <a:lstStyle/>
           <a:p>
-            <a:fld id="{1EDA61AC-3528-417F-91D1-05FF8FA34E05}" type="slidenum">
+            <a:fld id="{FCAE73B6-03D4-4966-9AA2-5953A0701F88}" type="slidenum">
               <a:rPr lang="zh-CN" altLang="en-US" smtClean="0"/>
               <a:t>‹#›</a:t>
             </a:fld>
@@ -2014,7 +2014,7 @@
     </p:spTree>
     <p:extLst>
       <p:ext uri="{BB962C8B-B14F-4D97-AF65-F5344CB8AC3E}">
-        <p14:creationId xmlns:p14="http://schemas.microsoft.com/office/powerpoint/2010/main" val="982160071"/>
+        <p14:creationId xmlns:p14="http://schemas.microsoft.com/office/powerpoint/2010/main" val="779220855"/>
       </p:ext>
     </p:extLst>
   </p:cSld>
@@ -2046,7 +2046,7 @@
           <p:cNvPr id="2" name="日期占位符 1">
             <a:extLst>
               <a:ext uri="{FF2B5EF4-FFF2-40B4-BE49-F238E27FC236}">
-                <a16:creationId xmlns:a16="http://schemas.microsoft.com/office/drawing/2014/main" id="{94DD7028-482A-1344-4FFC-80FA39052A3C}"/>
+                <a16:creationId xmlns:a16="http://schemas.microsoft.com/office/drawing/2014/main" id="{4762C9B6-CEBD-B2E2-A6EB-1719AE900161}"/>
               </a:ext>
             </a:extLst>
           </p:cNvPr>
@@ -2062,7 +2062,7 @@
           <a:bodyPr/>
           <a:lstStyle/>
           <a:p>
-            <a:fld id="{D8F6827A-7879-49C1-85BC-F80E90059455}" type="datetimeFigureOut">
+            <a:fld id="{CC0B85A6-B3C7-4E47-A83A-01E7AB4DC42C}" type="datetimeFigureOut">
               <a:rPr lang="zh-CN" altLang="en-US" smtClean="0"/>
               <a:t>2024/3/10</a:t>
             </a:fld>
@@ -2075,7 +2075,7 @@
           <p:cNvPr id="3" name="页脚占位符 2">
             <a:extLst>
               <a:ext uri="{FF2B5EF4-FFF2-40B4-BE49-F238E27FC236}">
-                <a16:creationId xmlns:a16="http://schemas.microsoft.com/office/drawing/2014/main" id="{4C3FABDC-9717-ADF2-CDC6-9AECEC0C82DA}"/>
+                <a16:creationId xmlns:a16="http://schemas.microsoft.com/office/drawing/2014/main" id="{D0ACA113-0995-EF3B-437F-A250A7DAE309}"/>
               </a:ext>
             </a:extLst>
           </p:cNvPr>
@@ -2100,7 +2100,7 @@
           <p:cNvPr id="4" name="灯片编号占位符 3">
             <a:extLst>
               <a:ext uri="{FF2B5EF4-FFF2-40B4-BE49-F238E27FC236}">
-                <a16:creationId xmlns:a16="http://schemas.microsoft.com/office/drawing/2014/main" id="{52444DB5-5494-AEFC-AE19-7370740FD91B}"/>
+                <a16:creationId xmlns:a16="http://schemas.microsoft.com/office/drawing/2014/main" id="{75BBCAAF-3C44-9150-80A2-F2A0D3EF90AB}"/>
               </a:ext>
             </a:extLst>
           </p:cNvPr>
@@ -2116,7 +2116,7 @@
           <a:bodyPr/>
           <a:lstStyle/>
           <a:p>
-            <a:fld id="{1EDA61AC-3528-417F-91D1-05FF8FA34E05}" type="slidenum">
+            <a:fld id="{FCAE73B6-03D4-4966-9AA2-5953A0701F88}" type="slidenum">
               <a:rPr lang="zh-CN" altLang="en-US" smtClean="0"/>
               <a:t>‹#›</a:t>
             </a:fld>
@@ -2127,7 +2127,7 @@
     </p:spTree>
     <p:extLst>
       <p:ext uri="{BB962C8B-B14F-4D97-AF65-F5344CB8AC3E}">
-        <p14:creationId xmlns:p14="http://schemas.microsoft.com/office/powerpoint/2010/main" val="1736447957"/>
+        <p14:creationId xmlns:p14="http://schemas.microsoft.com/office/powerpoint/2010/main" val="497325519"/>
       </p:ext>
     </p:extLst>
   </p:cSld>
@@ -2159,7 +2159,7 @@
           <p:cNvPr id="2" name="标题 1">
             <a:extLst>
               <a:ext uri="{FF2B5EF4-FFF2-40B4-BE49-F238E27FC236}">
-                <a16:creationId xmlns:a16="http://schemas.microsoft.com/office/drawing/2014/main" id="{05CC7578-77E7-A821-DE85-69146A93B9FB}"/>
+                <a16:creationId xmlns:a16="http://schemas.microsoft.com/office/drawing/2014/main" id="{398C3B56-B2DB-65DF-3343-2A306A163463}"/>
               </a:ext>
             </a:extLst>
           </p:cNvPr>
@@ -2196,7 +2196,7 @@
           <p:cNvPr id="3" name="内容占位符 2">
             <a:extLst>
               <a:ext uri="{FF2B5EF4-FFF2-40B4-BE49-F238E27FC236}">
-                <a16:creationId xmlns:a16="http://schemas.microsoft.com/office/drawing/2014/main" id="{422E7903-BEFD-D167-A9EF-10927C5607B6}"/>
+                <a16:creationId xmlns:a16="http://schemas.microsoft.com/office/drawing/2014/main" id="{415A6677-CC82-FF9D-0833-78054DBAA8B2}"/>
               </a:ext>
             </a:extLst>
           </p:cNvPr>
@@ -2286,7 +2286,7 @@
           <p:cNvPr id="4" name="文本占位符 3">
             <a:extLst>
               <a:ext uri="{FF2B5EF4-FFF2-40B4-BE49-F238E27FC236}">
-                <a16:creationId xmlns:a16="http://schemas.microsoft.com/office/drawing/2014/main" id="{198F2BFE-4A5B-46C7-8C08-5C0D338DEB7B}"/>
+                <a16:creationId xmlns:a16="http://schemas.microsoft.com/office/drawing/2014/main" id="{891898C5-120A-4EF6-B9E2-616C26640B24}"/>
               </a:ext>
             </a:extLst>
           </p:cNvPr>
@@ -2357,7 +2357,7 @@
           <p:cNvPr id="5" name="日期占位符 4">
             <a:extLst>
               <a:ext uri="{FF2B5EF4-FFF2-40B4-BE49-F238E27FC236}">
-                <a16:creationId xmlns:a16="http://schemas.microsoft.com/office/drawing/2014/main" id="{F201627A-1242-D9E5-9C93-405465E0E076}"/>
+                <a16:creationId xmlns:a16="http://schemas.microsoft.com/office/drawing/2014/main" id="{3D56D183-6480-FBEB-BEC9-08C16AD51333}"/>
               </a:ext>
             </a:extLst>
           </p:cNvPr>
@@ -2373,7 +2373,7 @@
           <a:bodyPr/>
           <a:lstStyle/>
           <a:p>
-            <a:fld id="{D8F6827A-7879-49C1-85BC-F80E90059455}" type="datetimeFigureOut">
+            <a:fld id="{CC0B85A6-B3C7-4E47-A83A-01E7AB4DC42C}" type="datetimeFigureOut">
               <a:rPr lang="zh-CN" altLang="en-US" smtClean="0"/>
               <a:t>2024/3/10</a:t>
             </a:fld>
@@ -2386,7 +2386,7 @@
           <p:cNvPr id="6" name="页脚占位符 5">
             <a:extLst>
               <a:ext uri="{FF2B5EF4-FFF2-40B4-BE49-F238E27FC236}">
-                <a16:creationId xmlns:a16="http://schemas.microsoft.com/office/drawing/2014/main" id="{AB3DEF2E-8DC4-A8B8-9F9F-52803BB0C81F}"/>
+                <a16:creationId xmlns:a16="http://schemas.microsoft.com/office/drawing/2014/main" id="{1491D021-F522-8C9E-555A-C76EFF6CB1DD}"/>
               </a:ext>
             </a:extLst>
           </p:cNvPr>
@@ -2411,7 +2411,7 @@
           <p:cNvPr id="7" name="灯片编号占位符 6">
             <a:extLst>
               <a:ext uri="{FF2B5EF4-FFF2-40B4-BE49-F238E27FC236}">
-                <a16:creationId xmlns:a16="http://schemas.microsoft.com/office/drawing/2014/main" id="{210061E3-77CE-DACA-E22E-63FE684E30BD}"/>
+                <a16:creationId xmlns:a16="http://schemas.microsoft.com/office/drawing/2014/main" id="{9DEFB03F-2FB7-EC94-DF1C-0F89DF1B6D55}"/>
               </a:ext>
             </a:extLst>
           </p:cNvPr>
@@ -2427,7 +2427,7 @@
           <a:bodyPr/>
           <a:lstStyle/>
           <a:p>
-            <a:fld id="{1EDA61AC-3528-417F-91D1-05FF8FA34E05}" type="slidenum">
+            <a:fld id="{FCAE73B6-03D4-4966-9AA2-5953A0701F88}" type="slidenum">
               <a:rPr lang="zh-CN" altLang="en-US" smtClean="0"/>
               <a:t>‹#›</a:t>
             </a:fld>
@@ -2438,7 +2438,7 @@
     </p:spTree>
     <p:extLst>
       <p:ext uri="{BB962C8B-B14F-4D97-AF65-F5344CB8AC3E}">
-        <p14:creationId xmlns:p14="http://schemas.microsoft.com/office/powerpoint/2010/main" val="594254820"/>
+        <p14:creationId xmlns:p14="http://schemas.microsoft.com/office/powerpoint/2010/main" val="2375708180"/>
       </p:ext>
     </p:extLst>
   </p:cSld>
@@ -2470,7 +2470,7 @@
           <p:cNvPr id="2" name="标题 1">
             <a:extLst>
               <a:ext uri="{FF2B5EF4-FFF2-40B4-BE49-F238E27FC236}">
-                <a16:creationId xmlns:a16="http://schemas.microsoft.com/office/drawing/2014/main" id="{77EE62AA-80C9-4348-8CB8-3918F5297C6C}"/>
+                <a16:creationId xmlns:a16="http://schemas.microsoft.com/office/drawing/2014/main" id="{3DF4DF84-A05E-DB96-D9F7-C45163E6655E}"/>
               </a:ext>
             </a:extLst>
           </p:cNvPr>
@@ -2507,7 +2507,7 @@
           <p:cNvPr id="3" name="图片占位符 2">
             <a:extLst>
               <a:ext uri="{FF2B5EF4-FFF2-40B4-BE49-F238E27FC236}">
-                <a16:creationId xmlns:a16="http://schemas.microsoft.com/office/drawing/2014/main" id="{DCBFE292-4726-D5C1-53A3-637D24F38D00}"/>
+                <a16:creationId xmlns:a16="http://schemas.microsoft.com/office/drawing/2014/main" id="{22D28F41-DD66-9FB6-E754-531856B27127}"/>
               </a:ext>
             </a:extLst>
           </p:cNvPr>
@@ -2574,7 +2574,7 @@
           <p:cNvPr id="4" name="文本占位符 3">
             <a:extLst>
               <a:ext uri="{FF2B5EF4-FFF2-40B4-BE49-F238E27FC236}">
-                <a16:creationId xmlns:a16="http://schemas.microsoft.com/office/drawing/2014/main" id="{8674B551-71AA-DE64-AEA6-B68CE9753034}"/>
+                <a16:creationId xmlns:a16="http://schemas.microsoft.com/office/drawing/2014/main" id="{578D4E29-CD69-F20A-67DE-A4F87ACAC205}"/>
               </a:ext>
             </a:extLst>
           </p:cNvPr>
@@ -2645,7 +2645,7 @@
           <p:cNvPr id="5" name="日期占位符 4">
             <a:extLst>
               <a:ext uri="{FF2B5EF4-FFF2-40B4-BE49-F238E27FC236}">
-                <a16:creationId xmlns:a16="http://schemas.microsoft.com/office/drawing/2014/main" id="{A1CCC019-19F2-7A6C-3AFC-631588D9382B}"/>
+                <a16:creationId xmlns:a16="http://schemas.microsoft.com/office/drawing/2014/main" id="{62D2D932-99E3-359B-5CF8-0F2E7519B347}"/>
               </a:ext>
             </a:extLst>
           </p:cNvPr>
@@ -2661,7 +2661,7 @@
           <a:bodyPr/>
           <a:lstStyle/>
           <a:p>
-            <a:fld id="{D8F6827A-7879-49C1-85BC-F80E90059455}" type="datetimeFigureOut">
+            <a:fld id="{CC0B85A6-B3C7-4E47-A83A-01E7AB4DC42C}" type="datetimeFigureOut">
               <a:rPr lang="zh-CN" altLang="en-US" smtClean="0"/>
               <a:t>2024/3/10</a:t>
             </a:fld>
@@ -2674,7 +2674,7 @@
           <p:cNvPr id="6" name="页脚占位符 5">
             <a:extLst>
               <a:ext uri="{FF2B5EF4-FFF2-40B4-BE49-F238E27FC236}">
-                <a16:creationId xmlns:a16="http://schemas.microsoft.com/office/drawing/2014/main" id="{35E1E1C5-3869-2874-56CB-A230B3334A7F}"/>
+                <a16:creationId xmlns:a16="http://schemas.microsoft.com/office/drawing/2014/main" id="{6656759B-07E9-F0EE-FDCE-55C9F2464DDD}"/>
               </a:ext>
             </a:extLst>
           </p:cNvPr>
@@ -2699,7 +2699,7 @@
           <p:cNvPr id="7" name="灯片编号占位符 6">
             <a:extLst>
               <a:ext uri="{FF2B5EF4-FFF2-40B4-BE49-F238E27FC236}">
-                <a16:creationId xmlns:a16="http://schemas.microsoft.com/office/drawing/2014/main" id="{68247A6F-5F18-0AEC-701F-78155C3E3766}"/>
+                <a16:creationId xmlns:a16="http://schemas.microsoft.com/office/drawing/2014/main" id="{1C320834-375E-E8A5-1BC6-F6A950843B32}"/>
               </a:ext>
             </a:extLst>
           </p:cNvPr>
@@ -2715,7 +2715,7 @@
           <a:bodyPr/>
           <a:lstStyle/>
           <a:p>
-            <a:fld id="{1EDA61AC-3528-417F-91D1-05FF8FA34E05}" type="slidenum">
+            <a:fld id="{FCAE73B6-03D4-4966-9AA2-5953A0701F88}" type="slidenum">
               <a:rPr lang="zh-CN" altLang="en-US" smtClean="0"/>
               <a:t>‹#›</a:t>
             </a:fld>
@@ -2726,7 +2726,7 @@
     </p:spTree>
     <p:extLst>
       <p:ext uri="{BB962C8B-B14F-4D97-AF65-F5344CB8AC3E}">
-        <p14:creationId xmlns:p14="http://schemas.microsoft.com/office/powerpoint/2010/main" val="3350543567"/>
+        <p14:creationId xmlns:p14="http://schemas.microsoft.com/office/powerpoint/2010/main" val="1627872167"/>
       </p:ext>
     </p:extLst>
   </p:cSld>
@@ -2763,7 +2763,7 @@
           <p:cNvPr id="2" name="标题占位符 1">
             <a:extLst>
               <a:ext uri="{FF2B5EF4-FFF2-40B4-BE49-F238E27FC236}">
-                <a16:creationId xmlns:a16="http://schemas.microsoft.com/office/drawing/2014/main" id="{3588FB93-F34C-4201-922B-7456203E2BEE}"/>
+                <a16:creationId xmlns:a16="http://schemas.microsoft.com/office/drawing/2014/main" id="{8646DFCE-F542-80C7-4613-3A3B66C3355C}"/>
               </a:ext>
             </a:extLst>
           </p:cNvPr>
@@ -2801,7 +2801,7 @@
           <p:cNvPr id="3" name="文本占位符 2">
             <a:extLst>
               <a:ext uri="{FF2B5EF4-FFF2-40B4-BE49-F238E27FC236}">
-                <a16:creationId xmlns:a16="http://schemas.microsoft.com/office/drawing/2014/main" id="{98DAAB1D-7BEE-2A76-E31E-B18FAEF15BD0}"/>
+                <a16:creationId xmlns:a16="http://schemas.microsoft.com/office/drawing/2014/main" id="{55DAA90E-0D3F-CC8F-1FF5-ECBBB4E13ED9}"/>
               </a:ext>
             </a:extLst>
           </p:cNvPr>
@@ -2868,7 +2868,7 @@
           <p:cNvPr id="4" name="日期占位符 3">
             <a:extLst>
               <a:ext uri="{FF2B5EF4-FFF2-40B4-BE49-F238E27FC236}">
-                <a16:creationId xmlns:a16="http://schemas.microsoft.com/office/drawing/2014/main" id="{B3B700AE-EE19-E4A1-0709-0FC1FD950EA4}"/>
+                <a16:creationId xmlns:a16="http://schemas.microsoft.com/office/drawing/2014/main" id="{B8B4CC25-6F09-9F46-F00E-74761FBD61C5}"/>
               </a:ext>
             </a:extLst>
           </p:cNvPr>
@@ -2902,7 +2902,7 @@
             </a:lvl1pPr>
           </a:lstStyle>
           <a:p>
-            <a:fld id="{D8F6827A-7879-49C1-85BC-F80E90059455}" type="datetimeFigureOut">
+            <a:fld id="{CC0B85A6-B3C7-4E47-A83A-01E7AB4DC42C}" type="datetimeFigureOut">
               <a:rPr lang="zh-CN" altLang="en-US" smtClean="0"/>
               <a:t>2024/3/10</a:t>
             </a:fld>
@@ -2915,7 +2915,7 @@
           <p:cNvPr id="5" name="页脚占位符 4">
             <a:extLst>
               <a:ext uri="{FF2B5EF4-FFF2-40B4-BE49-F238E27FC236}">
-                <a16:creationId xmlns:a16="http://schemas.microsoft.com/office/drawing/2014/main" id="{D0C37515-68E4-C197-F112-4D4E71D60438}"/>
+                <a16:creationId xmlns:a16="http://schemas.microsoft.com/office/drawing/2014/main" id="{A292E134-19AD-F384-13C7-389C95F250A4}"/>
               </a:ext>
             </a:extLst>
           </p:cNvPr>
@@ -2958,7 +2958,7 @@
           <p:cNvPr id="6" name="灯片编号占位符 5">
             <a:extLst>
               <a:ext uri="{FF2B5EF4-FFF2-40B4-BE49-F238E27FC236}">
-                <a16:creationId xmlns:a16="http://schemas.microsoft.com/office/drawing/2014/main" id="{78E3CFB5-845B-05AF-A73F-B39B892D3A5F}"/>
+                <a16:creationId xmlns:a16="http://schemas.microsoft.com/office/drawing/2014/main" id="{A694737A-2A57-B109-6A2D-490BC27D7FF8}"/>
               </a:ext>
             </a:extLst>
           </p:cNvPr>
@@ -2992,7 +2992,7 @@
             </a:lvl1pPr>
           </a:lstStyle>
           <a:p>
-            <a:fld id="{1EDA61AC-3528-417F-91D1-05FF8FA34E05}" type="slidenum">
+            <a:fld id="{FCAE73B6-03D4-4966-9AA2-5953A0701F88}" type="slidenum">
               <a:rPr lang="zh-CN" altLang="en-US" smtClean="0"/>
               <a:t>‹#›</a:t>
             </a:fld>
@@ -3003,7 +3003,7 @@
     </p:spTree>
     <p:extLst>
       <p:ext uri="{BB962C8B-B14F-4D97-AF65-F5344CB8AC3E}">
-        <p14:creationId xmlns:p14="http://schemas.microsoft.com/office/powerpoint/2010/main" val="1016310666"/>
+        <p14:creationId xmlns:p14="http://schemas.microsoft.com/office/powerpoint/2010/main" val="1902089317"/>
       </p:ext>
     </p:extLst>
   </p:cSld>
